--- a/Github.pptx
+++ b/Github.pptx
@@ -7,6 +7,7 @@
   <p:sldIdLst>
     <p:sldId id="256" r:id="rId3"/>
     <p:sldId id="257" r:id="rId4"/>
+    <p:sldId id="260" r:id="rId5"/>
   </p:sldIdLst>
   <p:sldSz cx="12192000" cy="6858000"/>
   <p:notesSz cx="6858000" cy="9144000"/>
@@ -145,7 +146,7 @@
           <a:bodyPr anchor="b"/>
           <a:lstStyle>
             <a:lvl1pPr algn="ctr">
-              <a:defRPr sz="6000"/>
+              <a:defRPr sz="4500"/>
             </a:lvl1pPr>
           </a:lstStyle>
           <a:p>
@@ -178,39 +179,39 @@
           <a:lstStyle>
             <a:lvl1pPr marL="0" indent="0" algn="ctr">
               <a:buNone/>
-              <a:defRPr sz="2400"/>
+              <a:defRPr sz="1800"/>
             </a:lvl1pPr>
-            <a:lvl2pPr marL="457200" indent="0" algn="ctr">
-              <a:buNone/>
-              <a:defRPr sz="2000"/>
+            <a:lvl2pPr marL="342900" indent="0" algn="ctr">
+              <a:buNone/>
+              <a:defRPr sz="1500"/>
             </a:lvl2pPr>
-            <a:lvl3pPr marL="914400" indent="0" algn="ctr">
-              <a:buNone/>
-              <a:defRPr sz="1800"/>
+            <a:lvl3pPr marL="685800" indent="0" algn="ctr">
+              <a:buNone/>
+              <a:defRPr sz="1350"/>
             </a:lvl3pPr>
-            <a:lvl4pPr marL="1371600" indent="0" algn="ctr">
-              <a:buNone/>
-              <a:defRPr sz="1600"/>
+            <a:lvl4pPr marL="1028700" indent="0" algn="ctr">
+              <a:buNone/>
+              <a:defRPr sz="1200"/>
             </a:lvl4pPr>
-            <a:lvl5pPr marL="1828800" indent="0" algn="ctr">
-              <a:buNone/>
-              <a:defRPr sz="1600"/>
+            <a:lvl5pPr marL="1371600" indent="0" algn="ctr">
+              <a:buNone/>
+              <a:defRPr sz="1200"/>
             </a:lvl5pPr>
-            <a:lvl6pPr marL="2286000" indent="0" algn="ctr">
-              <a:buNone/>
-              <a:defRPr sz="1600"/>
+            <a:lvl6pPr marL="1714500" indent="0" algn="ctr">
+              <a:buNone/>
+              <a:defRPr sz="1200"/>
             </a:lvl6pPr>
-            <a:lvl7pPr marL="2743200" indent="0" algn="ctr">
-              <a:buNone/>
-              <a:defRPr sz="1600"/>
+            <a:lvl7pPr marL="2057400" indent="0" algn="ctr">
+              <a:buNone/>
+              <a:defRPr sz="1200"/>
             </a:lvl7pPr>
-            <a:lvl8pPr marL="3200400" indent="0" algn="ctr">
-              <a:buNone/>
-              <a:defRPr sz="1600"/>
+            <a:lvl8pPr marL="2400300" indent="0" algn="ctr">
+              <a:buNone/>
+              <a:defRPr sz="1200"/>
             </a:lvl8pPr>
-            <a:lvl9pPr marL="3657600" indent="0" algn="ctr">
-              <a:buNone/>
-              <a:defRPr sz="1600"/>
+            <a:lvl9pPr marL="2743200" indent="0" algn="ctr">
+              <a:buNone/>
+              <a:defRPr sz="1200"/>
             </a:lvl9pPr>
           </a:lstStyle>
           <a:p>
@@ -290,6 +291,7 @@
   <p:clrMapOvr>
     <a:masterClrMapping/>
   </p:clrMapOvr>
+  <p:hf sldNum="0" hdr="0" ftr="0" dt="0"/>
 </p:sldLayout>
 </file>
 
@@ -457,6 +459,7 @@
   <p:clrMapOvr>
     <a:masterClrMapping/>
   </p:clrMapOvr>
+  <p:hf sldNum="0" hdr="0" ftr="0" dt="0"/>
 </p:sldLayout>
 </file>
 
@@ -489,8 +492,8 @@
         </p:nvSpPr>
         <p:spPr>
           <a:xfrm>
-            <a:off x="8724900" y="365125"/>
-            <a:ext cx="2628900" cy="5811838"/>
+            <a:off x="8839200" y="274638"/>
+            <a:ext cx="2743200" cy="5851525"/>
           </a:xfrm>
         </p:spPr>
         <p:txBody>
@@ -517,8 +520,8 @@
         </p:nvSpPr>
         <p:spPr>
           <a:xfrm>
-            <a:off x="838200" y="365125"/>
-            <a:ext cx="7734300" cy="5811838"/>
+            <a:off x="609600" y="274638"/>
+            <a:ext cx="8070573" cy="5851525"/>
           </a:xfrm>
         </p:spPr>
         <p:txBody>
@@ -634,6 +637,7 @@
   <p:clrMapOvr>
     <a:masterClrMapping/>
   </p:clrMapOvr>
+  <p:hf sldNum="0" hdr="0" ftr="0" dt="0"/>
 </p:sldLayout>
 </file>
 
@@ -801,6 +805,7 @@
   <p:clrMapOvr>
     <a:masterClrMapping/>
   </p:clrMapOvr>
+  <p:hf sldNum="0" hdr="0" ftr="0" dt="0"/>
 </p:sldLayout>
 </file>
 
@@ -833,7 +838,7 @@
         </p:nvSpPr>
         <p:spPr>
           <a:xfrm>
-            <a:off x="831850" y="1709738"/>
+            <a:off x="831851" y="1709738"/>
             <a:ext cx="10515600" cy="2852737"/>
           </a:xfrm>
         </p:spPr>
@@ -841,7 +846,7 @@
           <a:bodyPr anchor="b"/>
           <a:lstStyle>
             <a:lvl1pPr>
-              <a:defRPr sz="6000"/>
+              <a:defRPr sz="4500"/>
             </a:lvl1pPr>
           </a:lstStyle>
           <a:p>
@@ -865,7 +870,7 @@
         </p:nvSpPr>
         <p:spPr>
           <a:xfrm>
-            <a:off x="831850" y="4589463"/>
+            <a:off x="831851" y="4589463"/>
             <a:ext cx="10515600" cy="1500187"/>
           </a:xfrm>
         </p:spPr>
@@ -874,7 +879,7 @@
           <a:lstStyle>
             <a:lvl1pPr marL="0" indent="0">
               <a:buNone/>
-              <a:defRPr sz="2400">
+              <a:defRPr sz="1800">
                 <a:solidFill>
                   <a:schemeClr val="tx1">
                     <a:tint val="75000"/>
@@ -882,9 +887,9 @@
                 </a:solidFill>
               </a:defRPr>
             </a:lvl1pPr>
-            <a:lvl2pPr marL="457200" indent="0">
-              <a:buNone/>
-              <a:defRPr sz="2000">
+            <a:lvl2pPr marL="342900" indent="0">
+              <a:buNone/>
+              <a:defRPr sz="1500">
                 <a:solidFill>
                   <a:schemeClr val="tx1">
                     <a:tint val="75000"/>
@@ -892,9 +897,9 @@
                 </a:solidFill>
               </a:defRPr>
             </a:lvl2pPr>
-            <a:lvl3pPr marL="914400" indent="0">
-              <a:buNone/>
-              <a:defRPr sz="1800">
+            <a:lvl3pPr marL="685800" indent="0">
+              <a:buNone/>
+              <a:defRPr sz="1350">
                 <a:solidFill>
                   <a:schemeClr val="tx1">
                     <a:tint val="75000"/>
@@ -902,9 +907,9 @@
                 </a:solidFill>
               </a:defRPr>
             </a:lvl3pPr>
-            <a:lvl4pPr marL="1371600" indent="0">
-              <a:buNone/>
-              <a:defRPr sz="1600">
+            <a:lvl4pPr marL="1028700" indent="0">
+              <a:buNone/>
+              <a:defRPr sz="1200">
                 <a:solidFill>
                   <a:schemeClr val="tx1">
                     <a:tint val="75000"/>
@@ -912,9 +917,9 @@
                 </a:solidFill>
               </a:defRPr>
             </a:lvl4pPr>
-            <a:lvl5pPr marL="1828800" indent="0">
-              <a:buNone/>
-              <a:defRPr sz="1600">
+            <a:lvl5pPr marL="1371600" indent="0">
+              <a:buNone/>
+              <a:defRPr sz="1200">
                 <a:solidFill>
                   <a:schemeClr val="tx1">
                     <a:tint val="75000"/>
@@ -922,9 +927,9 @@
                 </a:solidFill>
               </a:defRPr>
             </a:lvl5pPr>
-            <a:lvl6pPr marL="2286000" indent="0">
-              <a:buNone/>
-              <a:defRPr sz="1600">
+            <a:lvl6pPr marL="1714500" indent="0">
+              <a:buNone/>
+              <a:defRPr sz="1200">
                 <a:solidFill>
                   <a:schemeClr val="tx1">
                     <a:tint val="75000"/>
@@ -932,9 +937,9 @@
                 </a:solidFill>
               </a:defRPr>
             </a:lvl6pPr>
-            <a:lvl7pPr marL="2743200" indent="0">
-              <a:buNone/>
-              <a:defRPr sz="1600">
+            <a:lvl7pPr marL="2057400" indent="0">
+              <a:buNone/>
+              <a:defRPr sz="1200">
                 <a:solidFill>
                   <a:schemeClr val="tx1">
                     <a:tint val="75000"/>
@@ -942,9 +947,9 @@
                 </a:solidFill>
               </a:defRPr>
             </a:lvl7pPr>
-            <a:lvl8pPr marL="3200400" indent="0">
-              <a:buNone/>
-              <a:defRPr sz="1600">
+            <a:lvl8pPr marL="2400300" indent="0">
+              <a:buNone/>
+              <a:defRPr sz="1200">
                 <a:solidFill>
                   <a:schemeClr val="tx1">
                     <a:tint val="75000"/>
@@ -952,9 +957,9 @@
                 </a:solidFill>
               </a:defRPr>
             </a:lvl8pPr>
-            <a:lvl9pPr marL="3657600" indent="0">
-              <a:buNone/>
-              <a:defRPr sz="1600">
+            <a:lvl9pPr marL="2743200" indent="0">
+              <a:buNone/>
+              <a:defRPr sz="1200">
                 <a:solidFill>
                   <a:schemeClr val="tx1">
                     <a:tint val="75000"/>
@@ -1041,6 +1046,7 @@
   <p:clrMapOvr>
     <a:masterClrMapping/>
   </p:clrMapOvr>
+  <p:hf sldNum="0" hdr="0" ftr="0" dt="0"/>
 </p:sldLayout>
 </file>
 
@@ -1096,8 +1102,8 @@
         </p:nvSpPr>
         <p:spPr>
           <a:xfrm>
-            <a:off x="838200" y="1825625"/>
-            <a:ext cx="5181600" cy="4351338"/>
+            <a:off x="609600" y="1600200"/>
+            <a:ext cx="5376672" cy="4525963"/>
           </a:xfrm>
         </p:spPr>
         <p:txBody>
@@ -1157,8 +1163,8 @@
         </p:nvSpPr>
         <p:spPr>
           <a:xfrm>
-            <a:off x="6172200" y="1825625"/>
-            <a:ext cx="5181600" cy="4351338"/>
+            <a:off x="6205728" y="1600200"/>
+            <a:ext cx="5376672" cy="4525963"/>
           </a:xfrm>
         </p:spPr>
         <p:txBody>
@@ -1274,6 +1280,7 @@
   <p:clrMapOvr>
     <a:masterClrMapping/>
   </p:clrMapOvr>
+  <p:hf sldNum="0" hdr="0" ftr="0" dt="0"/>
 </p:sldLayout>
 </file>
 
@@ -1343,39 +1350,39 @@
           <a:lstStyle>
             <a:lvl1pPr marL="0" indent="0">
               <a:buNone/>
-              <a:defRPr sz="2400" b="1"/>
+              <a:defRPr sz="1800" b="1"/>
             </a:lvl1pPr>
-            <a:lvl2pPr marL="457200" indent="0">
-              <a:buNone/>
-              <a:defRPr sz="2000" b="1"/>
+            <a:lvl2pPr marL="342900" indent="0">
+              <a:buNone/>
+              <a:defRPr sz="1500" b="1"/>
             </a:lvl2pPr>
-            <a:lvl3pPr marL="914400" indent="0">
-              <a:buNone/>
-              <a:defRPr sz="1800" b="1"/>
+            <a:lvl3pPr marL="685800" indent="0">
+              <a:buNone/>
+              <a:defRPr sz="1350" b="1"/>
             </a:lvl3pPr>
-            <a:lvl4pPr marL="1371600" indent="0">
-              <a:buNone/>
-              <a:defRPr sz="1600" b="1"/>
+            <a:lvl4pPr marL="1028700" indent="0">
+              <a:buNone/>
+              <a:defRPr sz="1200" b="1"/>
             </a:lvl4pPr>
-            <a:lvl5pPr marL="1828800" indent="0">
-              <a:buNone/>
-              <a:defRPr sz="1600" b="1"/>
+            <a:lvl5pPr marL="1371600" indent="0">
+              <a:buNone/>
+              <a:defRPr sz="1200" b="1"/>
             </a:lvl5pPr>
-            <a:lvl6pPr marL="2286000" indent="0">
-              <a:buNone/>
-              <a:defRPr sz="1600" b="1"/>
+            <a:lvl6pPr marL="1714500" indent="0">
+              <a:buNone/>
+              <a:defRPr sz="1200" b="1"/>
             </a:lvl6pPr>
-            <a:lvl7pPr marL="2743200" indent="0">
-              <a:buNone/>
-              <a:defRPr sz="1600" b="1"/>
+            <a:lvl7pPr marL="2057400" indent="0">
+              <a:buNone/>
+              <a:defRPr sz="1200" b="1"/>
             </a:lvl7pPr>
-            <a:lvl8pPr marL="3200400" indent="0">
-              <a:buNone/>
-              <a:defRPr sz="1600" b="1"/>
+            <a:lvl8pPr marL="2400300" indent="0">
+              <a:buNone/>
+              <a:defRPr sz="1200" b="1"/>
             </a:lvl8pPr>
-            <a:lvl9pPr marL="3657600" indent="0">
-              <a:buNone/>
-              <a:defRPr sz="1600" b="1"/>
+            <a:lvl9pPr marL="2743200" indent="0">
+              <a:buNone/>
+              <a:defRPr sz="1200" b="1"/>
             </a:lvl9pPr>
           </a:lstStyle>
           <a:p>
@@ -1470,39 +1477,39 @@
           <a:lstStyle>
             <a:lvl1pPr marL="0" indent="0">
               <a:buNone/>
-              <a:defRPr sz="2400" b="1"/>
+              <a:defRPr sz="1800" b="1"/>
             </a:lvl1pPr>
-            <a:lvl2pPr marL="457200" indent="0">
-              <a:buNone/>
-              <a:defRPr sz="2000" b="1"/>
+            <a:lvl2pPr marL="342900" indent="0">
+              <a:buNone/>
+              <a:defRPr sz="1500" b="1"/>
             </a:lvl2pPr>
-            <a:lvl3pPr marL="914400" indent="0">
-              <a:buNone/>
-              <a:defRPr sz="1800" b="1"/>
+            <a:lvl3pPr marL="685800" indent="0">
+              <a:buNone/>
+              <a:defRPr sz="1350" b="1"/>
             </a:lvl3pPr>
-            <a:lvl4pPr marL="1371600" indent="0">
-              <a:buNone/>
-              <a:defRPr sz="1600" b="1"/>
+            <a:lvl4pPr marL="1028700" indent="0">
+              <a:buNone/>
+              <a:defRPr sz="1200" b="1"/>
             </a:lvl4pPr>
-            <a:lvl5pPr marL="1828800" indent="0">
-              <a:buNone/>
-              <a:defRPr sz="1600" b="1"/>
+            <a:lvl5pPr marL="1371600" indent="0">
+              <a:buNone/>
+              <a:defRPr sz="1200" b="1"/>
             </a:lvl5pPr>
-            <a:lvl6pPr marL="2286000" indent="0">
-              <a:buNone/>
-              <a:defRPr sz="1600" b="1"/>
+            <a:lvl6pPr marL="1714500" indent="0">
+              <a:buNone/>
+              <a:defRPr sz="1200" b="1"/>
             </a:lvl6pPr>
-            <a:lvl7pPr marL="2743200" indent="0">
-              <a:buNone/>
-              <a:defRPr sz="1600" b="1"/>
+            <a:lvl7pPr marL="2057400" indent="0">
+              <a:buNone/>
+              <a:defRPr sz="1200" b="1"/>
             </a:lvl7pPr>
-            <a:lvl8pPr marL="3200400" indent="0">
-              <a:buNone/>
-              <a:defRPr sz="1600" b="1"/>
+            <a:lvl8pPr marL="2400300" indent="0">
+              <a:buNone/>
+              <a:defRPr sz="1200" b="1"/>
             </a:lvl8pPr>
-            <a:lvl9pPr marL="3657600" indent="0">
-              <a:buNone/>
-              <a:defRPr sz="1600" b="1"/>
+            <a:lvl9pPr marL="2743200" indent="0">
+              <a:buNone/>
+              <a:defRPr sz="1200" b="1"/>
             </a:lvl9pPr>
           </a:lstStyle>
           <a:p>
@@ -1644,6 +1651,7 @@
   <p:clrMapOvr>
     <a:masterClrMapping/>
   </p:clrMapOvr>
+  <p:hf sldNum="0" hdr="0" ftr="0" dt="0"/>
 </p:sldLayout>
 </file>
 
@@ -1755,6 +1763,7 @@
   <p:clrMapOvr>
     <a:masterClrMapping/>
   </p:clrMapOvr>
+  <p:hf sldNum="0" hdr="0" ftr="0" dt="0"/>
 </p:sldLayout>
 </file>
 
@@ -1843,6 +1852,7 @@
   <p:clrMapOvr>
     <a:masterClrMapping/>
   </p:clrMapOvr>
+  <p:hf sldNum="0" hdr="0" ftr="0" dt="0"/>
 </p:sldLayout>
 </file>
 
@@ -1883,7 +1893,7 @@
           <a:bodyPr anchor="b"/>
           <a:lstStyle>
             <a:lvl1pPr>
-              <a:defRPr sz="3200"/>
+              <a:defRPr sz="2400"/>
             </a:lvl1pPr>
           </a:lstStyle>
           <a:p>
@@ -1915,31 +1925,31 @@
           <a:bodyPr/>
           <a:lstStyle>
             <a:lvl1pPr>
-              <a:defRPr sz="3200"/>
+              <a:defRPr sz="2400"/>
             </a:lvl1pPr>
             <a:lvl2pPr>
-              <a:defRPr sz="2800"/>
+              <a:defRPr sz="2100"/>
             </a:lvl2pPr>
             <a:lvl3pPr>
-              <a:defRPr sz="2400"/>
+              <a:defRPr sz="1800"/>
             </a:lvl3pPr>
             <a:lvl4pPr>
-              <a:defRPr sz="2000"/>
+              <a:defRPr sz="1500"/>
             </a:lvl4pPr>
             <a:lvl5pPr>
-              <a:defRPr sz="2000"/>
+              <a:defRPr sz="1500"/>
             </a:lvl5pPr>
             <a:lvl6pPr>
-              <a:defRPr sz="2000"/>
+              <a:defRPr sz="1500"/>
             </a:lvl6pPr>
             <a:lvl7pPr>
-              <a:defRPr sz="2000"/>
+              <a:defRPr sz="1500"/>
             </a:lvl7pPr>
             <a:lvl8pPr>
-              <a:defRPr sz="2000"/>
+              <a:defRPr sz="1500"/>
             </a:lvl8pPr>
             <a:lvl9pPr>
-              <a:defRPr sz="2000"/>
+              <a:defRPr sz="1500"/>
             </a:lvl9pPr>
           </a:lstStyle>
           <a:p>
@@ -2005,39 +2015,39 @@
           <a:lstStyle>
             <a:lvl1pPr marL="0" indent="0">
               <a:buNone/>
-              <a:defRPr sz="1600"/>
+              <a:defRPr sz="1200"/>
             </a:lvl1pPr>
-            <a:lvl2pPr marL="457200" indent="0">
-              <a:buNone/>
-              <a:defRPr sz="1400"/>
+            <a:lvl2pPr marL="342900" indent="0">
+              <a:buNone/>
+              <a:defRPr sz="1050"/>
             </a:lvl2pPr>
-            <a:lvl3pPr marL="914400" indent="0">
-              <a:buNone/>
-              <a:defRPr sz="1200"/>
+            <a:lvl3pPr marL="685800" indent="0">
+              <a:buNone/>
+              <a:defRPr sz="900"/>
             </a:lvl3pPr>
-            <a:lvl4pPr marL="1371600" indent="0">
-              <a:buNone/>
-              <a:defRPr sz="1000"/>
+            <a:lvl4pPr marL="1028700" indent="0">
+              <a:buNone/>
+              <a:defRPr sz="750"/>
             </a:lvl4pPr>
-            <a:lvl5pPr marL="1828800" indent="0">
-              <a:buNone/>
-              <a:defRPr sz="1000"/>
+            <a:lvl5pPr marL="1371600" indent="0">
+              <a:buNone/>
+              <a:defRPr sz="750"/>
             </a:lvl5pPr>
-            <a:lvl6pPr marL="2286000" indent="0">
-              <a:buNone/>
-              <a:defRPr sz="1000"/>
+            <a:lvl6pPr marL="1714500" indent="0">
+              <a:buNone/>
+              <a:defRPr sz="750"/>
             </a:lvl6pPr>
-            <a:lvl7pPr marL="2743200" indent="0">
-              <a:buNone/>
-              <a:defRPr sz="1000"/>
+            <a:lvl7pPr marL="2057400" indent="0">
+              <a:buNone/>
+              <a:defRPr sz="750"/>
             </a:lvl7pPr>
-            <a:lvl8pPr marL="3200400" indent="0">
-              <a:buNone/>
-              <a:defRPr sz="1000"/>
+            <a:lvl8pPr marL="2400300" indent="0">
+              <a:buNone/>
+              <a:defRPr sz="750"/>
             </a:lvl8pPr>
-            <a:lvl9pPr marL="3657600" indent="0">
-              <a:buNone/>
-              <a:defRPr sz="1000"/>
+            <a:lvl9pPr marL="2743200" indent="0">
+              <a:buNone/>
+              <a:defRPr sz="750"/>
             </a:lvl9pPr>
           </a:lstStyle>
           <a:p>
@@ -2118,6 +2128,7 @@
   <p:clrMapOvr>
     <a:masterClrMapping/>
   </p:clrMapOvr>
+  <p:hf sldNum="0" hdr="0" ftr="0" dt="0"/>
 </p:sldLayout>
 </file>
 
@@ -2158,7 +2169,7 @@
           <a:bodyPr anchor="b"/>
           <a:lstStyle>
             <a:lvl1pPr>
-              <a:defRPr sz="3200"/>
+              <a:defRPr sz="2400"/>
             </a:lvl1pPr>
           </a:lstStyle>
           <a:p>
@@ -2191,39 +2202,39 @@
           <a:lstStyle>
             <a:lvl1pPr marL="0" indent="0">
               <a:buNone/>
-              <a:defRPr sz="3200"/>
+              <a:defRPr sz="2400"/>
             </a:lvl1pPr>
-            <a:lvl2pPr marL="457200" indent="0">
-              <a:buNone/>
-              <a:defRPr sz="2800"/>
+            <a:lvl2pPr marL="342900" indent="0">
+              <a:buNone/>
+              <a:defRPr sz="2100"/>
             </a:lvl2pPr>
-            <a:lvl3pPr marL="914400" indent="0">
-              <a:buNone/>
-              <a:defRPr sz="2400"/>
+            <a:lvl3pPr marL="685800" indent="0">
+              <a:buNone/>
+              <a:defRPr sz="1800"/>
             </a:lvl3pPr>
-            <a:lvl4pPr marL="1371600" indent="0">
-              <a:buNone/>
-              <a:defRPr sz="2000"/>
+            <a:lvl4pPr marL="1028700" indent="0">
+              <a:buNone/>
+              <a:defRPr sz="1500"/>
             </a:lvl4pPr>
-            <a:lvl5pPr marL="1828800" indent="0">
-              <a:buNone/>
-              <a:defRPr sz="2000"/>
+            <a:lvl5pPr marL="1371600" indent="0">
+              <a:buNone/>
+              <a:defRPr sz="1500"/>
             </a:lvl5pPr>
-            <a:lvl6pPr marL="2286000" indent="0">
-              <a:buNone/>
-              <a:defRPr sz="2000"/>
+            <a:lvl6pPr marL="1714500" indent="0">
+              <a:buNone/>
+              <a:defRPr sz="1500"/>
             </a:lvl6pPr>
-            <a:lvl7pPr marL="2743200" indent="0">
-              <a:buNone/>
-              <a:defRPr sz="2000"/>
+            <a:lvl7pPr marL="2057400" indent="0">
+              <a:buNone/>
+              <a:defRPr sz="1500"/>
             </a:lvl7pPr>
-            <a:lvl8pPr marL="3200400" indent="0">
-              <a:buNone/>
-              <a:defRPr sz="2000"/>
+            <a:lvl8pPr marL="2400300" indent="0">
+              <a:buNone/>
+              <a:defRPr sz="1500"/>
             </a:lvl8pPr>
-            <a:lvl9pPr marL="3657600" indent="0">
-              <a:buNone/>
-              <a:defRPr sz="2000"/>
+            <a:lvl9pPr marL="2743200" indent="0">
+              <a:buNone/>
+              <a:defRPr sz="1500"/>
             </a:lvl9pPr>
           </a:lstStyle>
           <a:p>
@@ -2252,39 +2263,39 @@
           <a:lstStyle>
             <a:lvl1pPr marL="0" indent="0">
               <a:buNone/>
-              <a:defRPr sz="1600"/>
+              <a:defRPr sz="1200"/>
             </a:lvl1pPr>
-            <a:lvl2pPr marL="457200" indent="0">
-              <a:buNone/>
-              <a:defRPr sz="1400"/>
+            <a:lvl2pPr marL="342900" indent="0">
+              <a:buNone/>
+              <a:defRPr sz="1050"/>
             </a:lvl2pPr>
-            <a:lvl3pPr marL="914400" indent="0">
-              <a:buNone/>
-              <a:defRPr sz="1200"/>
+            <a:lvl3pPr marL="685800" indent="0">
+              <a:buNone/>
+              <a:defRPr sz="900"/>
             </a:lvl3pPr>
-            <a:lvl4pPr marL="1371600" indent="0">
-              <a:buNone/>
-              <a:defRPr sz="1000"/>
+            <a:lvl4pPr marL="1028700" indent="0">
+              <a:buNone/>
+              <a:defRPr sz="750"/>
             </a:lvl4pPr>
-            <a:lvl5pPr marL="1828800" indent="0">
-              <a:buNone/>
-              <a:defRPr sz="1000"/>
+            <a:lvl5pPr marL="1371600" indent="0">
+              <a:buNone/>
+              <a:defRPr sz="750"/>
             </a:lvl5pPr>
-            <a:lvl6pPr marL="2286000" indent="0">
-              <a:buNone/>
-              <a:defRPr sz="1000"/>
+            <a:lvl6pPr marL="1714500" indent="0">
+              <a:buNone/>
+              <a:defRPr sz="750"/>
             </a:lvl6pPr>
-            <a:lvl7pPr marL="2743200" indent="0">
-              <a:buNone/>
-              <a:defRPr sz="1000"/>
+            <a:lvl7pPr marL="2057400" indent="0">
+              <a:buNone/>
+              <a:defRPr sz="750"/>
             </a:lvl7pPr>
-            <a:lvl8pPr marL="3200400" indent="0">
-              <a:buNone/>
-              <a:defRPr sz="1000"/>
+            <a:lvl8pPr marL="2400300" indent="0">
+              <a:buNone/>
+              <a:defRPr sz="750"/>
             </a:lvl8pPr>
-            <a:lvl9pPr marL="3657600" indent="0">
-              <a:buNone/>
-              <a:defRPr sz="1000"/>
+            <a:lvl9pPr marL="2743200" indent="0">
+              <a:buNone/>
+              <a:defRPr sz="750"/>
             </a:lvl9pPr>
           </a:lstStyle>
           <a:p>
@@ -2365,6 +2376,14 @@
   <p:clrMapOvr>
     <a:masterClrMapping/>
   </p:clrMapOvr>
+  <p:timing>
+    <p:tnLst>
+      <p:par>
+        <p:cTn id="1" dur="indefinite" restart="never" nodeType="tmRoot"/>
+      </p:par>
+    </p:tnLst>
+  </p:timing>
+  <p:hf sldNum="0" hdr="0" ftr="0" dt="0"/>
 </p:sldLayout>
 </file>
 
@@ -2372,9 +2391,14 @@
 <p:sldMaster xmlns:a="http://schemas.openxmlformats.org/drawingml/2006/main" xmlns:r="http://schemas.openxmlformats.org/officeDocument/2006/relationships" xmlns:p="http://schemas.openxmlformats.org/presentationml/2006/main">
   <p:cSld>
     <p:bg>
-      <p:bgRef idx="1001">
-        <a:schemeClr val="bg1"/>
-      </p:bgRef>
+      <p:bgPr>
+        <a:solidFill>
+          <a:schemeClr val="bg1">
+            <a:alpha val="100000"/>
+          </a:schemeClr>
+        </a:solidFill>
+        <a:effectLst/>
+      </p:bgPr>
     </p:bg>
     <p:spTree>
       <p:nvGrpSpPr>
@@ -2382,143 +2406,119 @@
         <p:cNvGrpSpPr/>
         <p:nvPr/>
       </p:nvGrpSpPr>
-      <p:grpSpPr>
-        <a:xfrm>
-          <a:off x="0" y="0"/>
-          <a:ext cx="0" cy="0"/>
-          <a:chOff x="0" y="0"/>
-          <a:chExt cx="0" cy="0"/>
-        </a:xfrm>
-      </p:grpSpPr>
-      <p:sp>
-        <p:nvSpPr>
-          <p:cNvPr id="2" name="Title Placeholder 1"/>
-          <p:cNvSpPr>
-            <a:spLocks noGrp="1"/>
-          </p:cNvSpPr>
+      <p:grpSpPr/>
+      <p:sp>
+        <p:nvSpPr>
+          <p:cNvPr id="1026" name="Title 1025"/>
+          <p:cNvSpPr/>
           <p:nvPr>
             <p:ph type="title"/>
           </p:nvPr>
         </p:nvSpPr>
         <p:spPr>
           <a:xfrm>
-            <a:off x="838200" y="365125"/>
-            <a:ext cx="10515600" cy="1325563"/>
+            <a:off x="609600" y="274638"/>
+            <a:ext cx="10972800" cy="1143000"/>
           </a:xfrm>
           <a:prstGeom prst="rect">
             <a:avLst/>
           </a:prstGeom>
+          <a:noFill/>
+          <a:ln w="9525">
+            <a:noFill/>
+          </a:ln>
         </p:spPr>
         <p:txBody>
-          <a:bodyPr vert="horz" lIns="91440" tIns="45720" rIns="91440" bIns="45720" rtlCol="0" anchor="ctr">
-            <a:normAutofit/>
-          </a:bodyPr>
-          <a:lstStyle/>
-          <a:p>
-            <a:r>
-              <a:rPr lang="en-US" smtClean="0"/>
+          <a:bodyPr anchor="ctr" anchorCtr="0"/>
+          <a:p>
+            <a:pPr lvl="0"/>
+            <a:r>
               <a:t>Click to edit Master title style</a:t>
             </a:r>
-            <a:endParaRPr lang="en-US"/>
-          </a:p>
-        </p:txBody>
-      </p:sp>
-      <p:sp>
-        <p:nvSpPr>
-          <p:cNvPr id="3" name="Text Placeholder 2"/>
-          <p:cNvSpPr>
-            <a:spLocks noGrp="1"/>
-          </p:cNvSpPr>
+          </a:p>
+        </p:txBody>
+      </p:sp>
+      <p:sp>
+        <p:nvSpPr>
+          <p:cNvPr id="1027" name="Text Placeholder 1026"/>
+          <p:cNvSpPr/>
           <p:nvPr>
             <p:ph type="body" idx="1"/>
           </p:nvPr>
         </p:nvSpPr>
         <p:spPr>
           <a:xfrm>
-            <a:off x="838200" y="1825625"/>
-            <a:ext cx="10515600" cy="4351338"/>
+            <a:off x="609600" y="1600200"/>
+            <a:ext cx="10972800" cy="4525963"/>
           </a:xfrm>
           <a:prstGeom prst="rect">
             <a:avLst/>
           </a:prstGeom>
+          <a:noFill/>
+          <a:ln w="9525">
+            <a:noFill/>
+          </a:ln>
         </p:spPr>
         <p:txBody>
-          <a:bodyPr vert="horz" lIns="91440" tIns="45720" rIns="91440" bIns="45720" rtlCol="0">
-            <a:normAutofit/>
-          </a:bodyPr>
-          <a:lstStyle/>
+          <a:bodyPr/>
           <a:p>
             <a:pPr lvl="0"/>
             <a:r>
-              <a:rPr lang="en-US" smtClean="0"/>
               <a:t>Click to edit Master text styles</a:t>
             </a:r>
-            <a:endParaRPr lang="en-US" smtClean="0"/>
           </a:p>
           <a:p>
             <a:pPr lvl="1"/>
             <a:r>
-              <a:rPr lang="en-US" smtClean="0"/>
               <a:t>Second level</a:t>
             </a:r>
-            <a:endParaRPr lang="en-US" smtClean="0"/>
           </a:p>
           <a:p>
             <a:pPr lvl="2"/>
             <a:r>
-              <a:rPr lang="en-US" smtClean="0"/>
               <a:t>Third level</a:t>
             </a:r>
-            <a:endParaRPr lang="en-US" smtClean="0"/>
           </a:p>
           <a:p>
             <a:pPr lvl="3"/>
             <a:r>
-              <a:rPr lang="en-US" smtClean="0"/>
               <a:t>Fourth level</a:t>
             </a:r>
-            <a:endParaRPr lang="en-US" smtClean="0"/>
           </a:p>
           <a:p>
             <a:pPr lvl="4"/>
             <a:r>
-              <a:rPr lang="en-US" smtClean="0"/>
               <a:t>Fifth level</a:t>
             </a:r>
-            <a:endParaRPr lang="en-US"/>
-          </a:p>
-        </p:txBody>
-      </p:sp>
-      <p:sp>
-        <p:nvSpPr>
-          <p:cNvPr id="4" name="Date Placeholder 3"/>
-          <p:cNvSpPr>
-            <a:spLocks noGrp="1"/>
-          </p:cNvSpPr>
+          </a:p>
+        </p:txBody>
+      </p:sp>
+      <p:sp>
+        <p:nvSpPr>
+          <p:cNvPr id="1028" name="Date Placeholder 1027"/>
+          <p:cNvSpPr/>
           <p:nvPr>
             <p:ph type="dt" sz="half" idx="2"/>
           </p:nvPr>
         </p:nvSpPr>
         <p:spPr>
           <a:xfrm>
-            <a:off x="838200" y="6356350"/>
-            <a:ext cx="2743200" cy="365125"/>
+            <a:off x="609600" y="6245225"/>
+            <a:ext cx="2844800" cy="476250"/>
           </a:xfrm>
           <a:prstGeom prst="rect">
             <a:avLst/>
           </a:prstGeom>
+          <a:noFill/>
+          <a:ln w="9525">
+            <a:noFill/>
+          </a:ln>
         </p:spPr>
         <p:txBody>
-          <a:bodyPr vert="horz" lIns="91440" tIns="45720" rIns="91440" bIns="45720" rtlCol="0" anchor="ctr"/>
+          <a:bodyPr/>
           <a:lstStyle>
-            <a:lvl1pPr algn="l">
-              <a:defRPr sz="1200">
-                <a:solidFill>
-                  <a:schemeClr val="tx1">
-                    <a:tint val="75000"/>
-                  </a:schemeClr>
-                </a:solidFill>
-              </a:defRPr>
+            <a:lvl1pPr>
+              <a:defRPr sz="1400"/>
             </a:lvl1pPr>
           </a:lstStyle>
           <a:p>
@@ -2531,34 +2531,30 @@
       </p:sp>
       <p:sp>
         <p:nvSpPr>
-          <p:cNvPr id="5" name="Footer Placeholder 4"/>
-          <p:cNvSpPr>
-            <a:spLocks noGrp="1"/>
-          </p:cNvSpPr>
+          <p:cNvPr id="1029" name="Footer Placeholder 1028"/>
+          <p:cNvSpPr/>
           <p:nvPr>
             <p:ph type="ftr" sz="quarter" idx="3"/>
           </p:nvPr>
         </p:nvSpPr>
         <p:spPr>
           <a:xfrm>
-            <a:off x="4038600" y="6356350"/>
-            <a:ext cx="4114800" cy="365125"/>
+            <a:off x="4165600" y="6245225"/>
+            <a:ext cx="3860800" cy="476250"/>
           </a:xfrm>
           <a:prstGeom prst="rect">
             <a:avLst/>
           </a:prstGeom>
+          <a:noFill/>
+          <a:ln w="9525">
+            <a:noFill/>
+          </a:ln>
         </p:spPr>
         <p:txBody>
-          <a:bodyPr vert="horz" lIns="91440" tIns="45720" rIns="91440" bIns="45720" rtlCol="0" anchor="ctr"/>
+          <a:bodyPr/>
           <a:lstStyle>
             <a:lvl1pPr algn="ctr">
-              <a:defRPr sz="1200">
-                <a:solidFill>
-                  <a:schemeClr val="tx1">
-                    <a:tint val="75000"/>
-                  </a:schemeClr>
-                </a:solidFill>
-              </a:defRPr>
+              <a:defRPr sz="1400"/>
             </a:lvl1pPr>
           </a:lstStyle>
           <a:p>
@@ -2568,34 +2564,30 @@
       </p:sp>
       <p:sp>
         <p:nvSpPr>
-          <p:cNvPr id="6" name="Slide Number Placeholder 5"/>
-          <p:cNvSpPr>
-            <a:spLocks noGrp="1"/>
-          </p:cNvSpPr>
+          <p:cNvPr id="1030" name="Slide Number Placeholder 1029"/>
+          <p:cNvSpPr/>
           <p:nvPr>
             <p:ph type="sldNum" sz="quarter" idx="4"/>
           </p:nvPr>
         </p:nvSpPr>
         <p:spPr>
           <a:xfrm>
-            <a:off x="8610600" y="6356350"/>
-            <a:ext cx="2743200" cy="365125"/>
+            <a:off x="8737600" y="6245225"/>
+            <a:ext cx="2844800" cy="476250"/>
           </a:xfrm>
           <a:prstGeom prst="rect">
             <a:avLst/>
           </a:prstGeom>
+          <a:noFill/>
+          <a:ln w="9525">
+            <a:noFill/>
+          </a:ln>
         </p:spPr>
         <p:txBody>
-          <a:bodyPr vert="horz" lIns="91440" tIns="45720" rIns="91440" bIns="45720" rtlCol="0" anchor="ctr"/>
+          <a:bodyPr/>
           <a:lstStyle>
             <a:lvl1pPr algn="r">
-              <a:defRPr sz="1200">
-                <a:solidFill>
-                  <a:schemeClr val="tx1">
-                    <a:tint val="75000"/>
-                  </a:schemeClr>
-                </a:solidFill>
-              </a:defRPr>
+              <a:defRPr sz="1400"/>
             </a:lvl1pPr>
           </a:lstStyle>
           <a:p>
@@ -2622,19 +2614,23 @@
     <p:sldLayoutId id="2147483658" r:id="rId10"/>
     <p:sldLayoutId id="2147483659" r:id="rId11"/>
   </p:sldLayoutIdLst>
+  <p:hf sldNum="0" hdr="0" ftr="0" dt="0"/>
   <p:txStyles>
     <p:titleStyle>
-      <a:lvl1pPr algn="l" defTabSz="914400" rtl="0" eaLnBrk="1" latinLnBrk="0" hangingPunct="1">
+      <a:lvl1pPr marL="0" lvl="0" indent="0" algn="ctr" defTabSz="914400" eaLnBrk="1" fontAlgn="base" latinLnBrk="0" hangingPunct="1">
         <a:lnSpc>
-          <a:spcPct val="90000"/>
+          <a:spcPct val="100000"/>
         </a:lnSpc>
         <a:spcBef>
           <a:spcPct val="0"/>
         </a:spcBef>
+        <a:spcAft>
+          <a:spcPct val="0"/>
+        </a:spcAft>
         <a:buNone/>
-        <a:defRPr sz="4400" kern="1200">
+        <a:defRPr sz="4400" b="0" i="0" u="none" kern="1200" baseline="0">
           <a:solidFill>
-            <a:schemeClr val="tx1"/>
+            <a:schemeClr val="tx2"/>
           </a:solidFill>
           <a:latin typeface="+mj-lt"/>
           <a:ea typeface="+mj-ea"/>
@@ -2643,16 +2639,18 @@
       </a:lvl1pPr>
     </p:titleStyle>
     <p:bodyStyle>
-      <a:lvl1pPr marL="228600" indent="-228600" algn="l" defTabSz="914400" rtl="0" eaLnBrk="1" latinLnBrk="0" hangingPunct="1">
+      <a:lvl1pPr marL="342900" lvl="0" indent="-342900" algn="l" defTabSz="914400" eaLnBrk="1" fontAlgn="base" latinLnBrk="0" hangingPunct="1">
         <a:lnSpc>
-          <a:spcPct val="90000"/>
+          <a:spcPct val="100000"/>
         </a:lnSpc>
         <a:spcBef>
-          <a:spcPts val="1000"/>
+          <a:spcPct val="20000"/>
         </a:spcBef>
-        <a:buFont typeface="Arial" panose="020B0604020202020204" pitchFamily="34" charset="0"/>
+        <a:spcAft>
+          <a:spcPct val="0"/>
+        </a:spcAft>
         <a:buChar char="•"/>
-        <a:defRPr sz="2800" kern="1200">
+        <a:defRPr sz="3200" b="0" i="0" u="none" kern="1200" baseline="0">
           <a:solidFill>
             <a:schemeClr val="tx1"/>
           </a:solidFill>
@@ -2661,16 +2659,18 @@
           <a:cs typeface="+mn-cs"/>
         </a:defRPr>
       </a:lvl1pPr>
-      <a:lvl2pPr marL="685800" indent="-228600" algn="l" defTabSz="914400" rtl="0" eaLnBrk="1" latinLnBrk="0" hangingPunct="1">
+      <a:lvl2pPr marL="742950" lvl="1" indent="-285750" algn="l" defTabSz="914400" eaLnBrk="1" fontAlgn="base" latinLnBrk="0" hangingPunct="1">
         <a:lnSpc>
-          <a:spcPct val="90000"/>
+          <a:spcPct val="100000"/>
         </a:lnSpc>
         <a:spcBef>
-          <a:spcPts val="500"/>
+          <a:spcPct val="20000"/>
         </a:spcBef>
-        <a:buFont typeface="Arial" panose="020B0604020202020204" pitchFamily="34" charset="0"/>
-        <a:buChar char="•"/>
-        <a:defRPr sz="2400" kern="1200">
+        <a:spcAft>
+          <a:spcPct val="0"/>
+        </a:spcAft>
+        <a:buChar char="–"/>
+        <a:defRPr sz="2800" b="0" i="0" u="none" kern="1200" baseline="0">
           <a:solidFill>
             <a:schemeClr val="tx1"/>
           </a:solidFill>
@@ -2679,16 +2679,18 @@
           <a:cs typeface="+mn-cs"/>
         </a:defRPr>
       </a:lvl2pPr>
-      <a:lvl3pPr marL="1143000" indent="-228600" algn="l" defTabSz="914400" rtl="0" eaLnBrk="1" latinLnBrk="0" hangingPunct="1">
+      <a:lvl3pPr marL="1143000" lvl="2" indent="-228600" algn="l" defTabSz="914400" eaLnBrk="1" fontAlgn="base" latinLnBrk="0" hangingPunct="1">
         <a:lnSpc>
-          <a:spcPct val="90000"/>
+          <a:spcPct val="100000"/>
         </a:lnSpc>
         <a:spcBef>
-          <a:spcPts val="500"/>
+          <a:spcPct val="20000"/>
         </a:spcBef>
-        <a:buFont typeface="Arial" panose="020B0604020202020204" pitchFamily="34" charset="0"/>
+        <a:spcAft>
+          <a:spcPct val="0"/>
+        </a:spcAft>
         <a:buChar char="•"/>
-        <a:defRPr sz="2000" kern="1200">
+        <a:defRPr sz="2400" b="0" i="0" u="none" kern="1200" baseline="0">
           <a:solidFill>
             <a:schemeClr val="tx1"/>
           </a:solidFill>
@@ -2697,16 +2699,18 @@
           <a:cs typeface="+mn-cs"/>
         </a:defRPr>
       </a:lvl3pPr>
-      <a:lvl4pPr marL="1600200" indent="-228600" algn="l" defTabSz="914400" rtl="0" eaLnBrk="1" latinLnBrk="0" hangingPunct="1">
+      <a:lvl4pPr marL="1600200" lvl="3" indent="-228600" algn="l" defTabSz="914400" eaLnBrk="1" fontAlgn="base" latinLnBrk="0" hangingPunct="1">
         <a:lnSpc>
-          <a:spcPct val="90000"/>
+          <a:spcPct val="100000"/>
         </a:lnSpc>
         <a:spcBef>
-          <a:spcPts val="500"/>
+          <a:spcPct val="20000"/>
         </a:spcBef>
-        <a:buFont typeface="Arial" panose="020B0604020202020204" pitchFamily="34" charset="0"/>
-        <a:buChar char="•"/>
-        <a:defRPr sz="1800" kern="1200">
+        <a:spcAft>
+          <a:spcPct val="0"/>
+        </a:spcAft>
+        <a:buChar char="–"/>
+        <a:defRPr sz="2000" b="0" i="0" u="none" kern="1200" baseline="0">
           <a:solidFill>
             <a:schemeClr val="tx1"/>
           </a:solidFill>
@@ -2715,16 +2719,18 @@
           <a:cs typeface="+mn-cs"/>
         </a:defRPr>
       </a:lvl4pPr>
-      <a:lvl5pPr marL="2057400" indent="-228600" algn="l" defTabSz="914400" rtl="0" eaLnBrk="1" latinLnBrk="0" hangingPunct="1">
+      <a:lvl5pPr marL="2057400" lvl="4" indent="-228600" algn="l" defTabSz="914400" eaLnBrk="1" fontAlgn="base" latinLnBrk="0" hangingPunct="1">
         <a:lnSpc>
-          <a:spcPct val="90000"/>
+          <a:spcPct val="100000"/>
         </a:lnSpc>
         <a:spcBef>
-          <a:spcPts val="500"/>
+          <a:spcPct val="20000"/>
         </a:spcBef>
-        <a:buFont typeface="Arial" panose="020B0604020202020204" pitchFamily="34" charset="0"/>
-        <a:buChar char="•"/>
-        <a:defRPr sz="1800" kern="1200">
+        <a:spcAft>
+          <a:spcPct val="0"/>
+        </a:spcAft>
+        <a:buChar char="»"/>
+        <a:defRPr sz="2000" b="0" i="0" u="none" kern="1200" baseline="0">
           <a:solidFill>
             <a:schemeClr val="tx1"/>
           </a:solidFill>
@@ -2733,16 +2739,18 @@
           <a:cs typeface="+mn-cs"/>
         </a:defRPr>
       </a:lvl5pPr>
-      <a:lvl6pPr marL="2514600" indent="-228600" algn="l" defTabSz="914400" rtl="0" eaLnBrk="1" latinLnBrk="0" hangingPunct="1">
+      <a:lvl6pPr marL="2514600" lvl="5" indent="-228600" algn="l" defTabSz="914400" eaLnBrk="1" fontAlgn="base" latinLnBrk="0" hangingPunct="1">
         <a:lnSpc>
-          <a:spcPct val="90000"/>
+          <a:spcPct val="100000"/>
         </a:lnSpc>
         <a:spcBef>
-          <a:spcPts val="500"/>
+          <a:spcPct val="20000"/>
         </a:spcBef>
-        <a:buFont typeface="Arial" panose="020B0604020202020204" pitchFamily="34" charset="0"/>
-        <a:buChar char="•"/>
-        <a:defRPr sz="1800" kern="1200">
+        <a:spcAft>
+          <a:spcPct val="0"/>
+        </a:spcAft>
+        <a:buChar char="»"/>
+        <a:defRPr sz="2000" b="0" i="0" u="none" kern="1200" baseline="0">
           <a:solidFill>
             <a:schemeClr val="tx1"/>
           </a:solidFill>
@@ -2751,16 +2759,18 @@
           <a:cs typeface="+mn-cs"/>
         </a:defRPr>
       </a:lvl6pPr>
-      <a:lvl7pPr marL="2971800" indent="-228600" algn="l" defTabSz="914400" rtl="0" eaLnBrk="1" latinLnBrk="0" hangingPunct="1">
+      <a:lvl7pPr marL="2971800" lvl="6" indent="-228600" algn="l" defTabSz="914400" eaLnBrk="1" fontAlgn="base" latinLnBrk="0" hangingPunct="1">
         <a:lnSpc>
-          <a:spcPct val="90000"/>
+          <a:spcPct val="100000"/>
         </a:lnSpc>
         <a:spcBef>
-          <a:spcPts val="500"/>
+          <a:spcPct val="20000"/>
         </a:spcBef>
-        <a:buFont typeface="Arial" panose="020B0604020202020204" pitchFamily="34" charset="0"/>
-        <a:buChar char="•"/>
-        <a:defRPr sz="1800" kern="1200">
+        <a:spcAft>
+          <a:spcPct val="0"/>
+        </a:spcAft>
+        <a:buChar char="»"/>
+        <a:defRPr sz="2000" b="0" i="0" u="none" kern="1200" baseline="0">
           <a:solidFill>
             <a:schemeClr val="tx1"/>
           </a:solidFill>
@@ -2769,16 +2779,18 @@
           <a:cs typeface="+mn-cs"/>
         </a:defRPr>
       </a:lvl7pPr>
-      <a:lvl8pPr marL="3429000" indent="-228600" algn="l" defTabSz="914400" rtl="0" eaLnBrk="1" latinLnBrk="0" hangingPunct="1">
+      <a:lvl8pPr marL="3429000" lvl="7" indent="-228600" algn="l" defTabSz="914400" eaLnBrk="1" fontAlgn="base" latinLnBrk="0" hangingPunct="1">
         <a:lnSpc>
-          <a:spcPct val="90000"/>
+          <a:spcPct val="100000"/>
         </a:lnSpc>
         <a:spcBef>
-          <a:spcPts val="500"/>
+          <a:spcPct val="20000"/>
         </a:spcBef>
-        <a:buFont typeface="Arial" panose="020B0604020202020204" pitchFamily="34" charset="0"/>
-        <a:buChar char="•"/>
-        <a:defRPr sz="1800" kern="1200">
+        <a:spcAft>
+          <a:spcPct val="0"/>
+        </a:spcAft>
+        <a:buChar char="»"/>
+        <a:defRPr sz="2000" b="0" i="0" u="none" kern="1200" baseline="0">
           <a:solidFill>
             <a:schemeClr val="tx1"/>
           </a:solidFill>
@@ -2787,16 +2799,18 @@
           <a:cs typeface="+mn-cs"/>
         </a:defRPr>
       </a:lvl8pPr>
-      <a:lvl9pPr marL="3886200" indent="-228600" algn="l" defTabSz="914400" rtl="0" eaLnBrk="1" latinLnBrk="0" hangingPunct="1">
+      <a:lvl9pPr marL="3886200" lvl="8" indent="-228600" algn="l" defTabSz="914400" eaLnBrk="1" fontAlgn="base" latinLnBrk="0" hangingPunct="1">
         <a:lnSpc>
-          <a:spcPct val="90000"/>
+          <a:spcPct val="100000"/>
         </a:lnSpc>
         <a:spcBef>
-          <a:spcPts val="500"/>
+          <a:spcPct val="20000"/>
         </a:spcBef>
-        <a:buFont typeface="Arial" panose="020B0604020202020204" pitchFamily="34" charset="0"/>
-        <a:buChar char="•"/>
-        <a:defRPr sz="1800" kern="1200">
+        <a:spcAft>
+          <a:spcPct val="0"/>
+        </a:spcAft>
+        <a:buChar char="»"/>
+        <a:defRPr sz="2000" b="0" i="0" u="none" kern="1200" baseline="0">
           <a:solidFill>
             <a:schemeClr val="tx1"/>
           </a:solidFill>
@@ -2807,11 +2821,19 @@
       </a:lvl9pPr>
     </p:bodyStyle>
     <p:otherStyle>
-      <a:defPPr>
-        <a:defRPr lang="en-US"/>
-      </a:defPPr>
-      <a:lvl1pPr marL="0" algn="l" defTabSz="914400" rtl="0" eaLnBrk="1" latinLnBrk="0" hangingPunct="1">
-        <a:defRPr sz="1800" kern="1200">
+      <a:lvl1pPr marL="0" lvl="0" indent="0" algn="l" defTabSz="914400" eaLnBrk="1" fontAlgn="base" latinLnBrk="0" hangingPunct="1">
+        <a:lnSpc>
+          <a:spcPct val="100000"/>
+        </a:lnSpc>
+        <a:spcBef>
+          <a:spcPct val="0"/>
+        </a:spcBef>
+        <a:spcAft>
+          <a:spcPct val="0"/>
+        </a:spcAft>
+        <a:buFont typeface="Arial" panose="020B0604020202020204" pitchFamily="34" charset="0"/>
+        <a:buNone/>
+        <a:defRPr sz="1800" b="0" i="0" u="none" kern="1200" baseline="0">
           <a:solidFill>
             <a:schemeClr val="tx1"/>
           </a:solidFill>
@@ -2820,82 +2842,170 @@
           <a:cs typeface="+mn-cs"/>
         </a:defRPr>
       </a:lvl1pPr>
-      <a:lvl2pPr marL="457200" algn="l" defTabSz="914400" rtl="0" eaLnBrk="1" latinLnBrk="0" hangingPunct="1">
-        <a:defRPr sz="1800" kern="1200">
+      <a:lvl2pPr marL="457200" lvl="1" indent="0" algn="l" defTabSz="914400" eaLnBrk="1" fontAlgn="base" latinLnBrk="0" hangingPunct="1">
+        <a:lnSpc>
+          <a:spcPct val="100000"/>
+        </a:lnSpc>
+        <a:spcBef>
+          <a:spcPct val="0"/>
+        </a:spcBef>
+        <a:spcAft>
+          <a:spcPct val="0"/>
+        </a:spcAft>
+        <a:buFont typeface="Arial" panose="020B0604020202020204" pitchFamily="34" charset="0"/>
+        <a:buNone/>
+        <a:defRPr b="0" i="0" u="none" kern="1200" baseline="0">
           <a:solidFill>
             <a:schemeClr val="tx1"/>
           </a:solidFill>
-          <a:latin typeface="+mn-lt"/>
+          <a:latin typeface="Arial" panose="020B0604020202020204" pitchFamily="34" charset="0"/>
           <a:ea typeface="+mn-ea"/>
           <a:cs typeface="+mn-cs"/>
         </a:defRPr>
       </a:lvl2pPr>
-      <a:lvl3pPr marL="914400" algn="l" defTabSz="914400" rtl="0" eaLnBrk="1" latinLnBrk="0" hangingPunct="1">
-        <a:defRPr sz="1800" kern="1200">
+      <a:lvl3pPr marL="914400" lvl="2" indent="0" algn="l" defTabSz="914400" eaLnBrk="1" fontAlgn="base" latinLnBrk="0" hangingPunct="1">
+        <a:lnSpc>
+          <a:spcPct val="100000"/>
+        </a:lnSpc>
+        <a:spcBef>
+          <a:spcPct val="0"/>
+        </a:spcBef>
+        <a:spcAft>
+          <a:spcPct val="0"/>
+        </a:spcAft>
+        <a:buFont typeface="Arial" panose="020B0604020202020204" pitchFamily="34" charset="0"/>
+        <a:buNone/>
+        <a:defRPr b="0" i="0" u="none" kern="1200" baseline="0">
           <a:solidFill>
             <a:schemeClr val="tx1"/>
           </a:solidFill>
-          <a:latin typeface="+mn-lt"/>
+          <a:latin typeface="Arial" panose="020B0604020202020204" pitchFamily="34" charset="0"/>
           <a:ea typeface="+mn-ea"/>
           <a:cs typeface="+mn-cs"/>
         </a:defRPr>
       </a:lvl3pPr>
-      <a:lvl4pPr marL="1371600" algn="l" defTabSz="914400" rtl="0" eaLnBrk="1" latinLnBrk="0" hangingPunct="1">
-        <a:defRPr sz="1800" kern="1200">
+      <a:lvl4pPr marL="1371600" lvl="3" indent="0" algn="l" defTabSz="914400" eaLnBrk="1" fontAlgn="base" latinLnBrk="0" hangingPunct="1">
+        <a:lnSpc>
+          <a:spcPct val="100000"/>
+        </a:lnSpc>
+        <a:spcBef>
+          <a:spcPct val="0"/>
+        </a:spcBef>
+        <a:spcAft>
+          <a:spcPct val="0"/>
+        </a:spcAft>
+        <a:buFont typeface="Arial" panose="020B0604020202020204" pitchFamily="34" charset="0"/>
+        <a:buNone/>
+        <a:defRPr b="0" i="0" u="none" kern="1200" baseline="0">
           <a:solidFill>
             <a:schemeClr val="tx1"/>
           </a:solidFill>
-          <a:latin typeface="+mn-lt"/>
+          <a:latin typeface="Arial" panose="020B0604020202020204" pitchFamily="34" charset="0"/>
           <a:ea typeface="+mn-ea"/>
           <a:cs typeface="+mn-cs"/>
         </a:defRPr>
       </a:lvl4pPr>
-      <a:lvl5pPr marL="1828800" algn="l" defTabSz="914400" rtl="0" eaLnBrk="1" latinLnBrk="0" hangingPunct="1">
-        <a:defRPr sz="1800" kern="1200">
+      <a:lvl5pPr marL="1828800" lvl="4" indent="0" algn="l" defTabSz="914400" eaLnBrk="1" fontAlgn="base" latinLnBrk="0" hangingPunct="1">
+        <a:lnSpc>
+          <a:spcPct val="100000"/>
+        </a:lnSpc>
+        <a:spcBef>
+          <a:spcPct val="0"/>
+        </a:spcBef>
+        <a:spcAft>
+          <a:spcPct val="0"/>
+        </a:spcAft>
+        <a:buFont typeface="Arial" panose="020B0604020202020204" pitchFamily="34" charset="0"/>
+        <a:buNone/>
+        <a:defRPr b="0" i="0" u="none" kern="1200" baseline="0">
           <a:solidFill>
             <a:schemeClr val="tx1"/>
           </a:solidFill>
-          <a:latin typeface="+mn-lt"/>
+          <a:latin typeface="Arial" panose="020B0604020202020204" pitchFamily="34" charset="0"/>
           <a:ea typeface="+mn-ea"/>
           <a:cs typeface="+mn-cs"/>
         </a:defRPr>
       </a:lvl5pPr>
-      <a:lvl6pPr marL="2286000" algn="l" defTabSz="914400" rtl="0" eaLnBrk="1" latinLnBrk="0" hangingPunct="1">
-        <a:defRPr sz="1800" kern="1200">
+      <a:lvl6pPr marL="2286000" lvl="5" indent="0" algn="l" defTabSz="914400" eaLnBrk="1" fontAlgn="base" latinLnBrk="0" hangingPunct="1">
+        <a:lnSpc>
+          <a:spcPct val="100000"/>
+        </a:lnSpc>
+        <a:spcBef>
+          <a:spcPct val="0"/>
+        </a:spcBef>
+        <a:spcAft>
+          <a:spcPct val="0"/>
+        </a:spcAft>
+        <a:buFont typeface="Arial" panose="020B0604020202020204" pitchFamily="34" charset="0"/>
+        <a:buNone/>
+        <a:defRPr b="0" i="0" u="none" kern="1200" baseline="0">
           <a:solidFill>
             <a:schemeClr val="tx1"/>
           </a:solidFill>
-          <a:latin typeface="+mn-lt"/>
+          <a:latin typeface="Arial" panose="020B0604020202020204" pitchFamily="34" charset="0"/>
           <a:ea typeface="+mn-ea"/>
           <a:cs typeface="+mn-cs"/>
         </a:defRPr>
       </a:lvl6pPr>
-      <a:lvl7pPr marL="2743200" algn="l" defTabSz="914400" rtl="0" eaLnBrk="1" latinLnBrk="0" hangingPunct="1">
-        <a:defRPr sz="1800" kern="1200">
+      <a:lvl7pPr marL="2743200" lvl="6" indent="0" algn="l" defTabSz="914400" eaLnBrk="1" fontAlgn="base" latinLnBrk="0" hangingPunct="1">
+        <a:lnSpc>
+          <a:spcPct val="100000"/>
+        </a:lnSpc>
+        <a:spcBef>
+          <a:spcPct val="0"/>
+        </a:spcBef>
+        <a:spcAft>
+          <a:spcPct val="0"/>
+        </a:spcAft>
+        <a:buFont typeface="Arial" panose="020B0604020202020204" pitchFamily="34" charset="0"/>
+        <a:buNone/>
+        <a:defRPr b="0" i="0" u="none" kern="1200" baseline="0">
           <a:solidFill>
             <a:schemeClr val="tx1"/>
           </a:solidFill>
-          <a:latin typeface="+mn-lt"/>
+          <a:latin typeface="Arial" panose="020B0604020202020204" pitchFamily="34" charset="0"/>
           <a:ea typeface="+mn-ea"/>
           <a:cs typeface="+mn-cs"/>
         </a:defRPr>
       </a:lvl7pPr>
-      <a:lvl8pPr marL="3200400" algn="l" defTabSz="914400" rtl="0" eaLnBrk="1" latinLnBrk="0" hangingPunct="1">
-        <a:defRPr sz="1800" kern="1200">
+      <a:lvl8pPr marL="3200400" lvl="7" indent="0" algn="l" defTabSz="914400" eaLnBrk="1" fontAlgn="base" latinLnBrk="0" hangingPunct="1">
+        <a:lnSpc>
+          <a:spcPct val="100000"/>
+        </a:lnSpc>
+        <a:spcBef>
+          <a:spcPct val="0"/>
+        </a:spcBef>
+        <a:spcAft>
+          <a:spcPct val="0"/>
+        </a:spcAft>
+        <a:buFont typeface="Arial" panose="020B0604020202020204" pitchFamily="34" charset="0"/>
+        <a:buNone/>
+        <a:defRPr b="0" i="0" u="none" kern="1200" baseline="0">
           <a:solidFill>
             <a:schemeClr val="tx1"/>
           </a:solidFill>
-          <a:latin typeface="+mn-lt"/>
+          <a:latin typeface="Arial" panose="020B0604020202020204" pitchFamily="34" charset="0"/>
           <a:ea typeface="+mn-ea"/>
           <a:cs typeface="+mn-cs"/>
         </a:defRPr>
       </a:lvl8pPr>
-      <a:lvl9pPr marL="3657600" algn="l" defTabSz="914400" rtl="0" eaLnBrk="1" latinLnBrk="0" hangingPunct="1">
-        <a:defRPr sz="1800" kern="1200">
+      <a:lvl9pPr marL="3657600" lvl="8" indent="0" algn="l" defTabSz="914400" eaLnBrk="1" fontAlgn="base" latinLnBrk="0" hangingPunct="1">
+        <a:lnSpc>
+          <a:spcPct val="100000"/>
+        </a:lnSpc>
+        <a:spcBef>
+          <a:spcPct val="0"/>
+        </a:spcBef>
+        <a:spcAft>
+          <a:spcPct val="0"/>
+        </a:spcAft>
+        <a:buFont typeface="Arial" panose="020B0604020202020204" pitchFamily="34" charset="0"/>
+        <a:buNone/>
+        <a:defRPr b="0" i="0" u="none" kern="1200" baseline="0">
           <a:solidFill>
             <a:schemeClr val="tx1"/>
           </a:solidFill>
-          <a:latin typeface="+mn-lt"/>
+          <a:latin typeface="Arial" panose="020B0604020202020204" pitchFamily="34" charset="0"/>
           <a:ea typeface="+mn-ea"/>
           <a:cs typeface="+mn-cs"/>
         </a:defRPr>
@@ -3035,6 +3145,18 @@
   <p:clrMapOvr>
     <a:masterClrMapping/>
   </p:clrMapOvr>
+  <mc:AlternateContent xmlns:mc="http://schemas.openxmlformats.org/markup-compatibility/2006" xmlns:p159="http://schemas.microsoft.com/office/powerpoint/2015/09/main">
+    <mc:Choice Requires="p159">
+      <p:transition xmlns:p14="http://schemas.microsoft.com/office/powerpoint/2010/main" spd="slow" p14:dur="2000">
+        <p159:morph option="byObject"/>
+      </p:transition>
+    </mc:Choice>
+    <mc:Fallback>
+      <p:transition spd="slow">
+        <p:fade/>
+      </p:transition>
+    </mc:Fallback>
+  </mc:AlternateContent>
 </p:sld>
 </file>
 
@@ -3075,7 +3197,7 @@
                   </a:outerShdw>
                 </a:effectLst>
               </a:rPr>
-              <a:t>Faced Issues</a:t>
+              <a:t>Regular Issues</a:t>
             </a:r>
             <a:r>
               <a:rPr lang="en-IN" altLang="en-US" sz="4800"/>
@@ -3182,8 +3304,117 @@
 </p:sld>
 </file>
 
+<file path=ppt/slides/slide3.xml><?xml version="1.0" encoding="utf-8"?>
+<p:sld xmlns:a="http://schemas.openxmlformats.org/drawingml/2006/main" xmlns:r="http://schemas.openxmlformats.org/officeDocument/2006/relationships" xmlns:p="http://schemas.openxmlformats.org/presentationml/2006/main">
+  <p:cSld>
+    <p:spTree>
+      <p:nvGrpSpPr>
+        <p:cNvPr id="1" name=""/>
+        <p:cNvGrpSpPr/>
+        <p:nvPr/>
+      </p:nvGrpSpPr>
+      <p:grpSpPr/>
+      <p:sp>
+        <p:nvSpPr>
+          <p:cNvPr id="5" name="Subtitle 4"/>
+          <p:cNvSpPr>
+            <a:spLocks noGrp="1"/>
+          </p:cNvSpPr>
+          <p:nvPr>
+            <p:ph type="subTitle" idx="1"/>
+          </p:nvPr>
+        </p:nvSpPr>
+        <p:spPr>
+          <a:xfrm>
+            <a:off x="1524000" y="1208405"/>
+            <a:ext cx="9144000" cy="4049395"/>
+          </a:xfrm>
+        </p:spPr>
+        <p:txBody>
+          <a:bodyPr/>
+          <a:p>
+            <a:pPr marL="342900" indent="-342900" algn="l">
+              <a:buFont typeface="Arial" panose="020B0604020202020204" pitchFamily="34" charset="0"/>
+              <a:buChar char="•"/>
+            </a:pPr>
+            <a:r>
+              <a:rPr lang="en-IN" altLang="en-US"/>
+              <a:t>GitHub is a Version Control System</a:t>
+            </a:r>
+            <a:endParaRPr lang="en-IN" altLang="en-US"/>
+          </a:p>
+          <a:p>
+            <a:pPr marL="342900" indent="-342900" algn="l">
+              <a:buFont typeface="Arial" panose="020B0604020202020204" pitchFamily="34" charset="0"/>
+              <a:buChar char="•"/>
+            </a:pPr>
+            <a:r>
+              <a:rPr lang="en-IN" altLang="en-US"/>
+              <a:t>It allow us to see the changes you make to your code and easily revert them.</a:t>
+            </a:r>
+            <a:endParaRPr lang="en-IN" altLang="en-US"/>
+          </a:p>
+          <a:p>
+            <a:pPr marL="342900" indent="-342900" algn="l">
+              <a:buFont typeface="Arial" panose="020B0604020202020204" pitchFamily="34" charset="0"/>
+              <a:buChar char="•"/>
+            </a:pPr>
+            <a:r>
+              <a:rPr lang="en-IN" altLang="en-US"/>
+              <a:t>The open source version control software that lets multiple people make separate changes to web pages at the same time</a:t>
+            </a:r>
+            <a:endParaRPr lang="en-IN" altLang="en-US"/>
+          </a:p>
+        </p:txBody>
+      </p:sp>
+      <p:pic>
+        <p:nvPicPr>
+          <p:cNvPr id="4" name="Content Placeholder 3"/>
+          <p:cNvPicPr>
+            <a:picLocks noChangeAspect="1"/>
+          </p:cNvPicPr>
+          <p:nvPr>
+            <p:ph idx="4294967295"/>
+          </p:nvPr>
+        </p:nvPicPr>
+        <p:blipFill>
+          <a:blip r:embed="rId1"/>
+          <a:stretch>
+            <a:fillRect/>
+          </a:stretch>
+        </p:blipFill>
+        <p:spPr>
+          <a:xfrm>
+            <a:off x="4850765" y="379730"/>
+            <a:ext cx="2152650" cy="742950"/>
+          </a:xfrm>
+          <a:prstGeom prst="rect">
+            <a:avLst/>
+          </a:prstGeom>
+        </p:spPr>
+      </p:pic>
+    </p:spTree>
+  </p:cSld>
+  <p:clrMapOvr>
+    <a:masterClrMapping/>
+  </p:clrMapOvr>
+  <mc:AlternateContent xmlns:mc="http://schemas.openxmlformats.org/markup-compatibility/2006" xmlns:p159="http://schemas.microsoft.com/office/powerpoint/2015/09/main">
+    <mc:Choice Requires="p159">
+      <p:transition xmlns:p14="http://schemas.microsoft.com/office/powerpoint/2010/main" spd="slow" p14:dur="2000">
+        <p159:morph option="byObject"/>
+      </p:transition>
+    </mc:Choice>
+    <mc:Fallback>
+      <p:transition spd="slow">
+        <p:fade/>
+      </p:transition>
+    </mc:Fallback>
+  </mc:AlternateContent>
+</p:sld>
+</file>
+
 <file path=ppt/theme/theme1.xml><?xml version="1.0" encoding="utf-8"?>
-<a:theme xmlns:a="http://schemas.openxmlformats.org/drawingml/2006/main" name="Office Theme">
+<a:theme xmlns:a="http://schemas.openxmlformats.org/drawingml/2006/main" name="Default Design">
   <a:themeElements>
     <a:clrScheme name="Office">
       <a:dk1>
@@ -3223,76 +3454,16 @@
         <a:srgbClr val="954F72"/>
       </a:folHlink>
     </a:clrScheme>
-    <a:fontScheme name="Office">
+    <a:fontScheme name="">
       <a:majorFont>
-        <a:latin typeface="Calibri Light"/>
-        <a:ea typeface=""/>
+        <a:latin typeface="Arial"/>
+        <a:ea typeface="Arial"/>
         <a:cs typeface=""/>
-        <a:font script="Jpan" typeface="ＭＳ Ｐゴシック"/>
-        <a:font script="Hang" typeface="맑은 고딕"/>
-        <a:font script="Hans" typeface="宋体"/>
-        <a:font script="Hant" typeface="新細明體"/>
-        <a:font script="Arab" typeface="Times New Roman"/>
-        <a:font script="Hebr" typeface="Times New Roman"/>
-        <a:font script="Thai" typeface="Angsana New"/>
-        <a:font script="Ethi" typeface="Nyala"/>
-        <a:font script="Beng" typeface="Vrinda"/>
-        <a:font script="Gujr" typeface="Shruti"/>
-        <a:font script="Khmr" typeface="MoolBoran"/>
-        <a:font script="Knda" typeface="Tunga"/>
-        <a:font script="Guru" typeface="Raavi"/>
-        <a:font script="Cans" typeface="Euphemia"/>
-        <a:font script="Cher" typeface="Plantagenet Cherokee"/>
-        <a:font script="Yiii" typeface="Microsoft Yi Baiti"/>
-        <a:font script="Tibt" typeface="Microsoft Himalaya"/>
-        <a:font script="Thaa" typeface="MV Boli"/>
-        <a:font script="Deva" typeface="Mangal"/>
-        <a:font script="Telu" typeface="Gautami"/>
-        <a:font script="Taml" typeface="Latha"/>
-        <a:font script="Syrc" typeface="Estrangelo Edessa"/>
-        <a:font script="Orya" typeface="Kalinga"/>
-        <a:font script="Mlym" typeface="Kartika"/>
-        <a:font script="Laoo" typeface="DokChampa"/>
-        <a:font script="Sinh" typeface="Iskoola Pota"/>
-        <a:font script="Mong" typeface="Mongolian Baiti"/>
-        <a:font script="Viet" typeface="Times New Roman"/>
-        <a:font script="Uigh" typeface="Microsoft Uighur"/>
-        <a:font script="Geor" typeface="Sylfaen"/>
       </a:majorFont>
       <a:minorFont>
-        <a:latin typeface="Calibri"/>
-        <a:ea typeface=""/>
+        <a:latin typeface="Arial"/>
+        <a:ea typeface="Arial"/>
         <a:cs typeface=""/>
-        <a:font script="Jpan" typeface="ＭＳ Ｐゴシック"/>
-        <a:font script="Hang" typeface="맑은 고딕"/>
-        <a:font script="Hans" typeface="宋体"/>
-        <a:font script="Hant" typeface="新細明體"/>
-        <a:font script="Arab" typeface="Arial"/>
-        <a:font script="Hebr" typeface="Arial"/>
-        <a:font script="Thai" typeface="Cordia New"/>
-        <a:font script="Ethi" typeface="Nyala"/>
-        <a:font script="Beng" typeface="Vrinda"/>
-        <a:font script="Gujr" typeface="Shruti"/>
-        <a:font script="Khmr" typeface="DaunPenh"/>
-        <a:font script="Knda" typeface="Tunga"/>
-        <a:font script="Guru" typeface="Raavi"/>
-        <a:font script="Cans" typeface="Euphemia"/>
-        <a:font script="Cher" typeface="Plantagenet Cherokee"/>
-        <a:font script="Yiii" typeface="Microsoft Yi Baiti"/>
-        <a:font script="Tibt" typeface="Microsoft Himalaya"/>
-        <a:font script="Thaa" typeface="MV Boli"/>
-        <a:font script="Deva" typeface="Mangal"/>
-        <a:font script="Telu" typeface="Gautami"/>
-        <a:font script="Taml" typeface="Latha"/>
-        <a:font script="Syrc" typeface="Estrangelo Edessa"/>
-        <a:font script="Orya" typeface="Kalinga"/>
-        <a:font script="Mlym" typeface="Kartika"/>
-        <a:font script="Laoo" typeface="DokChampa"/>
-        <a:font script="Sinh" typeface="Iskoola Pota"/>
-        <a:font script="Mong" typeface="Mongolian Baiti"/>
-        <a:font script="Viet" typeface="Arial"/>
-        <a:font script="Uigh" typeface="Microsoft Uighur"/>
-        <a:font script="Geor" typeface="Sylfaen"/>
       </a:minorFont>
     </a:fontScheme>
     <a:fmtScheme name="Office">
@@ -3433,6 +3604,500 @@
       </a:bgFillStyleLst>
     </a:fmtScheme>
   </a:themeElements>
+  <a:extraClrSchemeLst>
+    <a:extraClrScheme>
+      <a:clrScheme name="">
+        <a:dk1>
+          <a:srgbClr val="000000"/>
+        </a:dk1>
+        <a:lt1>
+          <a:srgbClr val="FFFFFF"/>
+        </a:lt1>
+        <a:dk2>
+          <a:srgbClr val="000000"/>
+        </a:dk2>
+        <a:lt2>
+          <a:srgbClr val="969696"/>
+        </a:lt2>
+        <a:accent1>
+          <a:srgbClr val="FBDF53"/>
+        </a:accent1>
+        <a:accent2>
+          <a:srgbClr val="FF9966"/>
+        </a:accent2>
+        <a:accent3>
+          <a:srgbClr val="FFFFFF"/>
+        </a:accent3>
+        <a:accent4>
+          <a:srgbClr val="000000"/>
+        </a:accent4>
+        <a:accent5>
+          <a:srgbClr val="FDECB4"/>
+        </a:accent5>
+        <a:accent6>
+          <a:srgbClr val="E5895B"/>
+        </a:accent6>
+        <a:hlink>
+          <a:srgbClr val="CC3300"/>
+        </a:hlink>
+        <a:folHlink>
+          <a:srgbClr val="996600"/>
+        </a:folHlink>
+      </a:clrScheme>
+      <a:clrMap bg1="lt1" tx1="dk1" bg2="lt2" tx2="dk2" accent1="accent1" accent2="accent2" accent3="accent3" accent4="accent4" accent5="accent5" accent6="accent6" hlink="hlink" folHlink="folHlink"/>
+    </a:extraClrScheme>
+    <a:extraClrScheme>
+      <a:clrScheme name="">
+        <a:dk1>
+          <a:srgbClr val="000000"/>
+        </a:dk1>
+        <a:lt1>
+          <a:srgbClr val="FFFFFF"/>
+        </a:lt1>
+        <a:dk2>
+          <a:srgbClr val="000000"/>
+        </a:dk2>
+        <a:lt2>
+          <a:srgbClr val="808080"/>
+        </a:lt2>
+        <a:accent1>
+          <a:srgbClr val="99CCFF"/>
+        </a:accent1>
+        <a:accent2>
+          <a:srgbClr val="CCCCFF"/>
+        </a:accent2>
+        <a:accent3>
+          <a:srgbClr val="FFFFFF"/>
+        </a:accent3>
+        <a:accent4>
+          <a:srgbClr val="000000"/>
+        </a:accent4>
+        <a:accent5>
+          <a:srgbClr val="CAE2FF"/>
+        </a:accent5>
+        <a:accent6>
+          <a:srgbClr val="B7B7E5"/>
+        </a:accent6>
+        <a:hlink>
+          <a:srgbClr val="3333CC"/>
+        </a:hlink>
+        <a:folHlink>
+          <a:srgbClr val="AF67FF"/>
+        </a:folHlink>
+      </a:clrScheme>
+      <a:clrMap bg1="lt1" tx1="dk1" bg2="lt2" tx2="dk2" accent1="accent1" accent2="accent2" accent3="accent3" accent4="accent4" accent5="accent5" accent6="accent6" hlink="hlink" folHlink="folHlink"/>
+    </a:extraClrScheme>
+    <a:extraClrScheme>
+      <a:clrScheme name="">
+        <a:dk1>
+          <a:srgbClr val="000000"/>
+        </a:dk1>
+        <a:lt1>
+          <a:srgbClr val="DEF6F1"/>
+        </a:lt1>
+        <a:dk2>
+          <a:srgbClr val="000000"/>
+        </a:dk2>
+        <a:lt2>
+          <a:srgbClr val="969696"/>
+        </a:lt2>
+        <a:accent1>
+          <a:srgbClr val="FFFFFF"/>
+        </a:accent1>
+        <a:accent2>
+          <a:srgbClr val="8DC6FF"/>
+        </a:accent2>
+        <a:accent3>
+          <a:srgbClr val="EBFAF7"/>
+        </a:accent3>
+        <a:accent4>
+          <a:srgbClr val="000000"/>
+        </a:accent4>
+        <a:accent5>
+          <a:srgbClr val="FFFFFF"/>
+        </a:accent5>
+        <a:accent6>
+          <a:srgbClr val="7EB1E5"/>
+        </a:accent6>
+        <a:hlink>
+          <a:srgbClr val="0066CC"/>
+        </a:hlink>
+        <a:folHlink>
+          <a:srgbClr val="00A800"/>
+        </a:folHlink>
+      </a:clrScheme>
+      <a:clrMap bg1="lt1" tx1="dk1" bg2="lt2" tx2="dk2" accent1="accent1" accent2="accent2" accent3="accent3" accent4="accent4" accent5="accent5" accent6="accent6" hlink="hlink" folHlink="folHlink"/>
+    </a:extraClrScheme>
+    <a:extraClrScheme>
+      <a:clrScheme name="">
+        <a:dk1>
+          <a:srgbClr val="000000"/>
+        </a:dk1>
+        <a:lt1>
+          <a:srgbClr val="FFFFD9"/>
+        </a:lt1>
+        <a:dk2>
+          <a:srgbClr val="000000"/>
+        </a:dk2>
+        <a:lt2>
+          <a:srgbClr val="777777"/>
+        </a:lt2>
+        <a:accent1>
+          <a:srgbClr val="FFFFF7"/>
+        </a:accent1>
+        <a:accent2>
+          <a:srgbClr val="33CCCC"/>
+        </a:accent2>
+        <a:accent3>
+          <a:srgbClr val="FFFFE9"/>
+        </a:accent3>
+        <a:accent4>
+          <a:srgbClr val="000000"/>
+        </a:accent4>
+        <a:accent5>
+          <a:srgbClr val="FFFFFA"/>
+        </a:accent5>
+        <a:accent6>
+          <a:srgbClr val="2DB7B7"/>
+        </a:accent6>
+        <a:hlink>
+          <a:srgbClr val="FF5050"/>
+        </a:hlink>
+        <a:folHlink>
+          <a:srgbClr val="FF9900"/>
+        </a:folHlink>
+      </a:clrScheme>
+      <a:clrMap bg1="lt1" tx1="dk1" bg2="lt2" tx2="dk2" accent1="accent1" accent2="accent2" accent3="accent3" accent4="accent4" accent5="accent5" accent6="accent6" hlink="hlink" folHlink="folHlink"/>
+    </a:extraClrScheme>
+    <a:extraClrScheme>
+      <a:clrScheme name="">
+        <a:dk1>
+          <a:srgbClr val="FFFFFF"/>
+        </a:dk1>
+        <a:lt1>
+          <a:srgbClr val="008080"/>
+        </a:lt1>
+        <a:dk2>
+          <a:srgbClr val="FFFF99"/>
+        </a:dk2>
+        <a:lt2>
+          <a:srgbClr val="005A58"/>
+        </a:lt2>
+        <a:accent1>
+          <a:srgbClr val="006462"/>
+        </a:accent1>
+        <a:accent2>
+          <a:srgbClr val="6D6FC7"/>
+        </a:accent2>
+        <a:accent3>
+          <a:srgbClr val="AAC1C1"/>
+        </a:accent3>
+        <a:accent4>
+          <a:srgbClr val="DCDCDC"/>
+        </a:accent4>
+        <a:accent5>
+          <a:srgbClr val="AAB8B8"/>
+        </a:accent5>
+        <a:accent6>
+          <a:srgbClr val="6163B2"/>
+        </a:accent6>
+        <a:hlink>
+          <a:srgbClr val="00FFFF"/>
+        </a:hlink>
+        <a:folHlink>
+          <a:srgbClr val="00FF00"/>
+        </a:folHlink>
+      </a:clrScheme>
+      <a:clrMap bg1="lt1" tx1="dk1" bg2="lt2" tx2="dk2" accent1="accent1" accent2="accent2" accent3="accent3" accent4="accent4" accent5="accent5" accent6="accent6" hlink="hlink" folHlink="folHlink"/>
+    </a:extraClrScheme>
+    <a:extraClrScheme>
+      <a:clrScheme name="">
+        <a:dk1>
+          <a:srgbClr val="FFFFFF"/>
+        </a:dk1>
+        <a:lt1>
+          <a:srgbClr val="800000"/>
+        </a:lt1>
+        <a:dk2>
+          <a:srgbClr val="DFD293"/>
+        </a:dk2>
+        <a:lt2>
+          <a:srgbClr val="5C1F00"/>
+        </a:lt2>
+        <a:accent1>
+          <a:srgbClr val="CC3300"/>
+        </a:accent1>
+        <a:accent2>
+          <a:srgbClr val="BE7960"/>
+        </a:accent2>
+        <a:accent3>
+          <a:srgbClr val="C1AAAA"/>
+        </a:accent3>
+        <a:accent4>
+          <a:srgbClr val="DCDCDC"/>
+        </a:accent4>
+        <a:accent5>
+          <a:srgbClr val="E2ADAA"/>
+        </a:accent5>
+        <a:accent6>
+          <a:srgbClr val="AA6C55"/>
+        </a:accent6>
+        <a:hlink>
+          <a:srgbClr val="FFFF99"/>
+        </a:hlink>
+        <a:folHlink>
+          <a:srgbClr val="D3A219"/>
+        </a:folHlink>
+      </a:clrScheme>
+      <a:clrMap bg1="lt1" tx1="dk1" bg2="lt2" tx2="dk2" accent1="accent1" accent2="accent2" accent3="accent3" accent4="accent4" accent5="accent5" accent6="accent6" hlink="hlink" folHlink="folHlink"/>
+    </a:extraClrScheme>
+    <a:extraClrScheme>
+      <a:clrScheme name="">
+        <a:dk1>
+          <a:srgbClr val="FFFFFF"/>
+        </a:dk1>
+        <a:lt1>
+          <a:srgbClr val="000099"/>
+        </a:lt1>
+        <a:dk2>
+          <a:srgbClr val="CCFFFF"/>
+        </a:dk2>
+        <a:lt2>
+          <a:srgbClr val="003366"/>
+        </a:lt2>
+        <a:accent1>
+          <a:srgbClr val="3366CC"/>
+        </a:accent1>
+        <a:accent2>
+          <a:srgbClr val="00B000"/>
+        </a:accent2>
+        <a:accent3>
+          <a:srgbClr val="AAAACA"/>
+        </a:accent3>
+        <a:accent4>
+          <a:srgbClr val="DCDCDC"/>
+        </a:accent4>
+        <a:accent5>
+          <a:srgbClr val="ADB9E2"/>
+        </a:accent5>
+        <a:accent6>
+          <a:srgbClr val="009D00"/>
+        </a:accent6>
+        <a:hlink>
+          <a:srgbClr val="66CCFF"/>
+        </a:hlink>
+        <a:folHlink>
+          <a:srgbClr val="FFE701"/>
+        </a:folHlink>
+      </a:clrScheme>
+      <a:clrMap bg1="lt1" tx1="dk1" bg2="lt2" tx2="dk2" accent1="accent1" accent2="accent2" accent3="accent3" accent4="accent4" accent5="accent5" accent6="accent6" hlink="hlink" folHlink="folHlink"/>
+    </a:extraClrScheme>
+    <a:extraClrScheme>
+      <a:clrScheme name="">
+        <a:dk1>
+          <a:srgbClr val="FFFFFF"/>
+        </a:dk1>
+        <a:lt1>
+          <a:srgbClr val="000000"/>
+        </a:lt1>
+        <a:dk2>
+          <a:srgbClr val="E3EBF1"/>
+        </a:dk2>
+        <a:lt2>
+          <a:srgbClr val="336699"/>
+        </a:lt2>
+        <a:accent1>
+          <a:srgbClr val="003399"/>
+        </a:accent1>
+        <a:accent2>
+          <a:srgbClr val="468A4B"/>
+        </a:accent2>
+        <a:accent3>
+          <a:srgbClr val="AAAAAA"/>
+        </a:accent3>
+        <a:accent4>
+          <a:srgbClr val="DCDCDC"/>
+        </a:accent4>
+        <a:accent5>
+          <a:srgbClr val="AAADCA"/>
+        </a:accent5>
+        <a:accent6>
+          <a:srgbClr val="3E7B43"/>
+        </a:accent6>
+        <a:hlink>
+          <a:srgbClr val="66CCFF"/>
+        </a:hlink>
+        <a:folHlink>
+          <a:srgbClr val="F0E500"/>
+        </a:folHlink>
+      </a:clrScheme>
+      <a:clrMap bg1="lt1" tx1="dk1" bg2="lt2" tx2="dk2" accent1="accent1" accent2="accent2" accent3="accent3" accent4="accent4" accent5="accent5" accent6="accent6" hlink="hlink" folHlink="folHlink"/>
+    </a:extraClrScheme>
+    <a:extraClrScheme>
+      <a:clrScheme name="">
+        <a:dk1>
+          <a:srgbClr val="FFFFFF"/>
+        </a:dk1>
+        <a:lt1>
+          <a:srgbClr val="686B5D"/>
+        </a:lt1>
+        <a:dk2>
+          <a:srgbClr val="D1D1CB"/>
+        </a:dk2>
+        <a:lt2>
+          <a:srgbClr val="777777"/>
+        </a:lt2>
+        <a:accent1>
+          <a:srgbClr val="909082"/>
+        </a:accent1>
+        <a:accent2>
+          <a:srgbClr val="809EA8"/>
+        </a:accent2>
+        <a:accent3>
+          <a:srgbClr val="B9BAB6"/>
+        </a:accent3>
+        <a:accent4>
+          <a:srgbClr val="DCDCDC"/>
+        </a:accent4>
+        <a:accent5>
+          <a:srgbClr val="C7C7C1"/>
+        </a:accent5>
+        <a:accent6>
+          <a:srgbClr val="728D96"/>
+        </a:accent6>
+        <a:hlink>
+          <a:srgbClr val="FFCC66"/>
+        </a:hlink>
+        <a:folHlink>
+          <a:srgbClr val="E9DCB9"/>
+        </a:folHlink>
+      </a:clrScheme>
+      <a:clrMap bg1="lt1" tx1="dk1" bg2="lt2" tx2="dk2" accent1="accent1" accent2="accent2" accent3="accent3" accent4="accent4" accent5="accent5" accent6="accent6" hlink="hlink" folHlink="folHlink"/>
+    </a:extraClrScheme>
+    <a:extraClrScheme>
+      <a:clrScheme name="">
+        <a:dk1>
+          <a:srgbClr val="FFFFFF"/>
+        </a:dk1>
+        <a:lt1>
+          <a:srgbClr val="666699"/>
+        </a:lt1>
+        <a:dk2>
+          <a:srgbClr val="FFFFFF"/>
+        </a:dk2>
+        <a:lt2>
+          <a:srgbClr val="3E3E5C"/>
+        </a:lt2>
+        <a:accent1>
+          <a:srgbClr val="60597B"/>
+        </a:accent1>
+        <a:accent2>
+          <a:srgbClr val="6666FF"/>
+        </a:accent2>
+        <a:accent3>
+          <a:srgbClr val="B9B9CA"/>
+        </a:accent3>
+        <a:accent4>
+          <a:srgbClr val="DCDCDC"/>
+        </a:accent4>
+        <a:accent5>
+          <a:srgbClr val="B7B5BF"/>
+        </a:accent5>
+        <a:accent6>
+          <a:srgbClr val="5B5BE5"/>
+        </a:accent6>
+        <a:hlink>
+          <a:srgbClr val="99CCFF"/>
+        </a:hlink>
+        <a:folHlink>
+          <a:srgbClr val="FFFF99"/>
+        </a:folHlink>
+      </a:clrScheme>
+      <a:clrMap bg1="lt1" tx1="dk1" bg2="lt2" tx2="dk2" accent1="accent1" accent2="accent2" accent3="accent3" accent4="accent4" accent5="accent5" accent6="accent6" hlink="hlink" folHlink="folHlink"/>
+    </a:extraClrScheme>
+    <a:extraClrScheme>
+      <a:clrScheme name="">
+        <a:dk1>
+          <a:srgbClr val="FFFFFF"/>
+        </a:dk1>
+        <a:lt1>
+          <a:srgbClr val="523E26"/>
+        </a:lt1>
+        <a:dk2>
+          <a:srgbClr val="DFC08D"/>
+        </a:dk2>
+        <a:lt2>
+          <a:srgbClr val="2D2015"/>
+        </a:lt2>
+        <a:accent1>
+          <a:srgbClr val="8C7B70"/>
+        </a:accent1>
+        <a:accent2>
+          <a:srgbClr val="8F5F2F"/>
+        </a:accent2>
+        <a:accent3>
+          <a:srgbClr val="B3AFAB"/>
+        </a:accent3>
+        <a:accent4>
+          <a:srgbClr val="DCDCDC"/>
+        </a:accent4>
+        <a:accent5>
+          <a:srgbClr val="C5BFBC"/>
+        </a:accent5>
+        <a:accent6>
+          <a:srgbClr val="805529"/>
+        </a:accent6>
+        <a:hlink>
+          <a:srgbClr val="CCB400"/>
+        </a:hlink>
+        <a:folHlink>
+          <a:srgbClr val="8C9EA0"/>
+        </a:folHlink>
+      </a:clrScheme>
+      <a:clrMap bg1="lt1" tx1="dk1" bg2="lt2" tx2="dk2" accent1="accent1" accent2="accent2" accent3="accent3" accent4="accent4" accent5="accent5" accent6="accent6" hlink="hlink" folHlink="folHlink"/>
+    </a:extraClrScheme>
+    <a:extraClrScheme>
+      <a:clrScheme name="">
+        <a:dk1>
+          <a:srgbClr val="000000"/>
+        </a:dk1>
+        <a:lt1>
+          <a:srgbClr val="FFFFFF"/>
+        </a:lt1>
+        <a:dk2>
+          <a:srgbClr val="000000"/>
+        </a:dk2>
+        <a:lt2>
+          <a:srgbClr val="808080"/>
+        </a:lt2>
+        <a:accent1>
+          <a:srgbClr val="7DB6EF"/>
+        </a:accent1>
+        <a:accent2>
+          <a:srgbClr val="C0504D"/>
+        </a:accent2>
+        <a:accent3>
+          <a:srgbClr val="FFFFFF"/>
+        </a:accent3>
+        <a:accent4>
+          <a:srgbClr val="000000"/>
+        </a:accent4>
+        <a:accent5>
+          <a:srgbClr val="C0D7F5"/>
+        </a:accent5>
+        <a:accent6>
+          <a:srgbClr val="AC4744"/>
+        </a:accent6>
+        <a:hlink>
+          <a:srgbClr val="0066CC"/>
+        </a:hlink>
+        <a:folHlink>
+          <a:srgbClr val="800080"/>
+        </a:folHlink>
+      </a:clrScheme>
+      <a:clrMap bg1="lt1" tx1="dk1" bg2="lt2" tx2="dk2" accent1="accent1" accent2="accent2" accent3="accent3" accent4="accent4" accent5="accent5" accent6="accent6" hlink="hlink" folHlink="folHlink"/>
+    </a:extraClrScheme>
+  </a:extraClrSchemeLst>
   <a:extLst>
     <a:ext uri="{05A4C25C-085E-4340-85A3-A5531E510DB2}">
       <thm15:themeFamily xmlns:thm15="http://schemas.microsoft.com/office/thememl/2012/main" name="Office Theme" id="{62F939B6-93AF-4DB8-9C6B-D6C7DFDC589F}" vid="{4A3C46E8-61CC-4603-A589-7422A47A8E4A}"/>
